--- a/source/ppt/DesignPattern/SingletonPattern/SingletonOneIfSynchronized.pptx
+++ b/source/ppt/DesignPattern/SingletonPattern/SingletonOneIfSynchronized.pptx
@@ -336,6 +336,172 @@
               <a:t>‹#›</a:t>
             </a:fld>
             <a:endParaRPr lang="zh-CN" altLang="en-US"/>
+          </a:p>
+        </p:txBody>
+      </p:sp>
+      <p:sp>
+        <p:nvSpPr>
+          <p:cNvPr id="7" name="文本框 6">
+            <a:extLst>
+              <a:ext uri="{FF2B5EF4-FFF2-40B4-BE49-F238E27FC236}">
+                <a16:creationId xmlns:a16="http://schemas.microsoft.com/office/drawing/2014/main" id="{7660A74A-005D-453A-A34D-36CE47625E53}"/>
+              </a:ext>
+            </a:extLst>
+          </p:cNvPr>
+          <p:cNvSpPr txBox="1"/>
+          <p:nvPr userDrawn="1"/>
+        </p:nvSpPr>
+        <p:spPr>
+          <a:xfrm>
+            <a:off x="9128975" y="136525"/>
+            <a:ext cx="2846231" cy="369332"/>
+          </a:xfrm>
+          <a:prstGeom prst="rect">
+            <a:avLst/>
+          </a:prstGeom>
+          <a:noFill/>
+        </p:spPr>
+        <p:txBody>
+          <a:bodyPr wrap="square" rtlCol="0">
+            <a:spAutoFit/>
+          </a:bodyPr>
+          <a:lstStyle>
+            <a:defPPr>
+              <a:defRPr lang="zh-CN"/>
+            </a:defPPr>
+            <a:lvl1pPr marL="0" algn="l" defTabSz="914400" rtl="0" eaLnBrk="1" latinLnBrk="0" hangingPunct="1">
+              <a:defRPr sz="1800" kern="1200">
+                <a:solidFill>
+                  <a:schemeClr val="tx1"/>
+                </a:solidFill>
+                <a:latin typeface="+mn-lt"/>
+                <a:ea typeface="+mn-ea"/>
+                <a:cs typeface="+mn-cs"/>
+              </a:defRPr>
+            </a:lvl1pPr>
+            <a:lvl2pPr marL="457200" algn="l" defTabSz="914400" rtl="0" eaLnBrk="1" latinLnBrk="0" hangingPunct="1">
+              <a:defRPr sz="1800" kern="1200">
+                <a:solidFill>
+                  <a:schemeClr val="tx1"/>
+                </a:solidFill>
+                <a:latin typeface="+mn-lt"/>
+                <a:ea typeface="+mn-ea"/>
+                <a:cs typeface="+mn-cs"/>
+              </a:defRPr>
+            </a:lvl2pPr>
+            <a:lvl3pPr marL="914400" algn="l" defTabSz="914400" rtl="0" eaLnBrk="1" latinLnBrk="0" hangingPunct="1">
+              <a:defRPr sz="1800" kern="1200">
+                <a:solidFill>
+                  <a:schemeClr val="tx1"/>
+                </a:solidFill>
+                <a:latin typeface="+mn-lt"/>
+                <a:ea typeface="+mn-ea"/>
+                <a:cs typeface="+mn-cs"/>
+              </a:defRPr>
+            </a:lvl3pPr>
+            <a:lvl4pPr marL="1371600" algn="l" defTabSz="914400" rtl="0" eaLnBrk="1" latinLnBrk="0" hangingPunct="1">
+              <a:defRPr sz="1800" kern="1200">
+                <a:solidFill>
+                  <a:schemeClr val="tx1"/>
+                </a:solidFill>
+                <a:latin typeface="+mn-lt"/>
+                <a:ea typeface="+mn-ea"/>
+                <a:cs typeface="+mn-cs"/>
+              </a:defRPr>
+            </a:lvl4pPr>
+            <a:lvl5pPr marL="1828800" algn="l" defTabSz="914400" rtl="0" eaLnBrk="1" latinLnBrk="0" hangingPunct="1">
+              <a:defRPr sz="1800" kern="1200">
+                <a:solidFill>
+                  <a:schemeClr val="tx1"/>
+                </a:solidFill>
+                <a:latin typeface="+mn-lt"/>
+                <a:ea typeface="+mn-ea"/>
+                <a:cs typeface="+mn-cs"/>
+              </a:defRPr>
+            </a:lvl5pPr>
+            <a:lvl6pPr marL="2286000" algn="l" defTabSz="914400" rtl="0" eaLnBrk="1" latinLnBrk="0" hangingPunct="1">
+              <a:defRPr sz="1800" kern="1200">
+                <a:solidFill>
+                  <a:schemeClr val="tx1"/>
+                </a:solidFill>
+                <a:latin typeface="+mn-lt"/>
+                <a:ea typeface="+mn-ea"/>
+                <a:cs typeface="+mn-cs"/>
+              </a:defRPr>
+            </a:lvl6pPr>
+            <a:lvl7pPr marL="2743200" algn="l" defTabSz="914400" rtl="0" eaLnBrk="1" latinLnBrk="0" hangingPunct="1">
+              <a:defRPr sz="1800" kern="1200">
+                <a:solidFill>
+                  <a:schemeClr val="tx1"/>
+                </a:solidFill>
+                <a:latin typeface="+mn-lt"/>
+                <a:ea typeface="+mn-ea"/>
+                <a:cs typeface="+mn-cs"/>
+              </a:defRPr>
+            </a:lvl7pPr>
+            <a:lvl8pPr marL="3200400" algn="l" defTabSz="914400" rtl="0" eaLnBrk="1" latinLnBrk="0" hangingPunct="1">
+              <a:defRPr sz="1800" kern="1200">
+                <a:solidFill>
+                  <a:schemeClr val="tx1"/>
+                </a:solidFill>
+                <a:latin typeface="+mn-lt"/>
+                <a:ea typeface="+mn-ea"/>
+                <a:cs typeface="+mn-cs"/>
+              </a:defRPr>
+            </a:lvl8pPr>
+            <a:lvl9pPr marL="3657600" algn="l" defTabSz="914400" rtl="0" eaLnBrk="1" latinLnBrk="0" hangingPunct="1">
+              <a:defRPr sz="1800" kern="1200">
+                <a:solidFill>
+                  <a:schemeClr val="tx1"/>
+                </a:solidFill>
+                <a:latin typeface="+mn-lt"/>
+                <a:ea typeface="+mn-ea"/>
+                <a:cs typeface="+mn-cs"/>
+              </a:defRPr>
+            </a:lvl9pPr>
+          </a:lstStyle>
+          <a:p>
+            <a:r>
+              <a:rPr lang="zh-CN" altLang="en-US" dirty="0">
+                <a:solidFill>
+                  <a:schemeClr val="accent4">
+                    <a:lumMod val="40000"/>
+                    <a:lumOff val="60000"/>
+                  </a:schemeClr>
+                </a:solidFill>
+              </a:rPr>
+              <a:t>妃子笑的博客</a:t>
+            </a:r>
+            <a:r>
+              <a:rPr lang="en-US" altLang="zh-CN" dirty="0">
+                <a:solidFill>
+                  <a:schemeClr val="accent4">
+                    <a:lumMod val="40000"/>
+                    <a:lumOff val="60000"/>
+                  </a:schemeClr>
+                </a:solidFill>
+              </a:rPr>
+              <a:t>  </a:t>
+            </a:r>
+            <a:r>
+              <a:rPr lang="en-US" altLang="zh-CN" dirty="0" err="1">
+                <a:solidFill>
+                  <a:schemeClr val="accent4">
+                    <a:lumMod val="40000"/>
+                    <a:lumOff val="60000"/>
+                  </a:schemeClr>
+                </a:solidFill>
+              </a:rPr>
+              <a:t>BiggerShen</a:t>
+            </a:r>
+            <a:endParaRPr lang="zh-CN" altLang="en-US" dirty="0">
+              <a:solidFill>
+                <a:schemeClr val="accent4">
+                  <a:lumMod val="40000"/>
+                  <a:lumOff val="60000"/>
+                </a:schemeClr>
+              </a:solidFill>
+            </a:endParaRPr>
           </a:p>
         </p:txBody>
       </p:sp>
@@ -8033,21 +8199,6 @@
 </file>
 
 <file path=customXml/item1.xml><?xml version="1.0" encoding="utf-8"?>
-<p:properties xmlns:p="http://schemas.microsoft.com/office/2006/metadata/properties" xmlns:xsi="http://www.w3.org/2001/XMLSchema-instance" xmlns:pc="http://schemas.microsoft.com/office/infopath/2007/PartnerControls">
-  <documentManagement/>
-</p:properties>
-</file>
-
-<file path=customXml/item2.xml><?xml version="1.0" encoding="utf-8"?>
-<?mso-contentType ?>
-<FormTemplates xmlns="http://schemas.microsoft.com/sharepoint/v3/contenttype/forms">
-  <Display>DocumentLibraryForm</Display>
-  <Edit>DocumentLibraryForm</Edit>
-  <New>DocumentLibraryForm</New>
-</FormTemplates>
-</file>
-
-<file path=customXml/item3.xml><?xml version="1.0" encoding="utf-8"?>
 <ct:contentTypeSchema xmlns:ct="http://schemas.microsoft.com/office/2006/metadata/contentType" xmlns:ma="http://schemas.microsoft.com/office/2006/metadata/properties/metaAttributes" ct:_="" ma:_="" ma:contentTypeName="文档" ma:contentTypeID="0x01010054A67C50ED22194F9E2584B7705B0498" ma:contentTypeVersion="2" ma:contentTypeDescription="新建文档。" ma:contentTypeScope="" ma:versionID="9c0eac8debd2503bfe4f87d05f771a5a">
   <xsd:schema xmlns:xsd="http://www.w3.org/2001/XMLSchema" xmlns:xs="http://www.w3.org/2001/XMLSchema" xmlns:p="http://schemas.microsoft.com/office/2006/metadata/properties" xmlns:ns3="00e69eb3-3615-458d-b6da-a54e8cea02e1" targetNamespace="http://schemas.microsoft.com/office/2006/metadata/properties" ma:root="true" ma:fieldsID="7272bf8576c830c4bd97b6a01828c924" ns3:_="">
     <xsd:import namespace="00e69eb3-3615-458d-b6da-a54e8cea02e1"/>
@@ -8179,31 +8330,22 @@
 </ct:contentTypeSchema>
 </file>
 
-<file path=customXml/itemProps1.xml><?xml version="1.0" encoding="utf-8"?>
-<ds:datastoreItem xmlns:ds="http://schemas.openxmlformats.org/officeDocument/2006/customXml" ds:itemID="{47890D91-B945-429F-B152-ACB980D4E77A}">
-  <ds:schemaRefs>
-    <ds:schemaRef ds:uri="http://purl.org/dc/terms/"/>
-    <ds:schemaRef ds:uri="http://schemas.microsoft.com/office/infopath/2007/PartnerControls"/>
-    <ds:schemaRef ds:uri="http://purl.org/dc/elements/1.1/"/>
-    <ds:schemaRef ds:uri="http://schemas.microsoft.com/office/2006/documentManagement/types"/>
-    <ds:schemaRef ds:uri="http://schemas.microsoft.com/office/2006/metadata/properties"/>
-    <ds:schemaRef ds:uri="http://schemas.openxmlformats.org/package/2006/metadata/core-properties"/>
-    <ds:schemaRef ds:uri="00e69eb3-3615-458d-b6da-a54e8cea02e1"/>
-    <ds:schemaRef ds:uri="http://www.w3.org/XML/1998/namespace"/>
-    <ds:schemaRef ds:uri="http://purl.org/dc/dcmitype/"/>
-  </ds:schemaRefs>
-</ds:datastoreItem>
+<file path=customXml/item2.xml><?xml version="1.0" encoding="utf-8"?>
+<?mso-contentType ?>
+<FormTemplates xmlns="http://schemas.microsoft.com/sharepoint/v3/contenttype/forms">
+  <Display>DocumentLibraryForm</Display>
+  <Edit>DocumentLibraryForm</Edit>
+  <New>DocumentLibraryForm</New>
+</FormTemplates>
 </file>
 
-<file path=customXml/itemProps2.xml><?xml version="1.0" encoding="utf-8"?>
-<ds:datastoreItem xmlns:ds="http://schemas.openxmlformats.org/officeDocument/2006/customXml" ds:itemID="{22DAD099-1105-40F3-A7B0-FF65F5F8CA95}">
-  <ds:schemaRefs>
-    <ds:schemaRef ds:uri="http://schemas.microsoft.com/sharepoint/v3/contenttype/forms"/>
-  </ds:schemaRefs>
-</ds:datastoreItem>
+<file path=customXml/item3.xml><?xml version="1.0" encoding="utf-8"?>
+<p:properties xmlns:p="http://schemas.microsoft.com/office/2006/metadata/properties" xmlns:xsi="http://www.w3.org/2001/XMLSchema-instance" xmlns:pc="http://schemas.microsoft.com/office/infopath/2007/PartnerControls">
+  <documentManagement/>
+</p:properties>
 </file>
 
-<file path=customXml/itemProps3.xml><?xml version="1.0" encoding="utf-8"?>
+<file path=customXml/itemProps1.xml><?xml version="1.0" encoding="utf-8"?>
 <ds:datastoreItem xmlns:ds="http://schemas.openxmlformats.org/officeDocument/2006/customXml" ds:itemID="{B5D0DC56-BB4C-4988-8EB5-97BE3339EBAA}">
   <ds:schemaRefs>
     <ds:schemaRef ds:uri="http://schemas.microsoft.com/office/2006/metadata/contentType"/>
@@ -8219,4 +8361,28 @@
     <ds:schemaRef ds:uri="http://schemas.microsoft.com/internal/obd"/>
   </ds:schemaRefs>
 </ds:datastoreItem>
+</file>
+
+<file path=customXml/itemProps2.xml><?xml version="1.0" encoding="utf-8"?>
+<ds:datastoreItem xmlns:ds="http://schemas.openxmlformats.org/officeDocument/2006/customXml" ds:itemID="{22DAD099-1105-40F3-A7B0-FF65F5F8CA95}">
+  <ds:schemaRefs>
+    <ds:schemaRef ds:uri="http://schemas.microsoft.com/sharepoint/v3/contenttype/forms"/>
+  </ds:schemaRefs>
+</ds:datastoreItem>
+</file>
+
+<file path=customXml/itemProps3.xml><?xml version="1.0" encoding="utf-8"?>
+<ds:datastoreItem xmlns:ds="http://schemas.openxmlformats.org/officeDocument/2006/customXml" ds:itemID="{47890D91-B945-429F-B152-ACB980D4E77A}">
+  <ds:schemaRefs>
+    <ds:schemaRef ds:uri="http://purl.org/dc/terms/"/>
+    <ds:schemaRef ds:uri="http://schemas.microsoft.com/office/infopath/2007/PartnerControls"/>
+    <ds:schemaRef ds:uri="http://purl.org/dc/elements/1.1/"/>
+    <ds:schemaRef ds:uri="http://schemas.microsoft.com/office/2006/documentManagement/types"/>
+    <ds:schemaRef ds:uri="http://schemas.microsoft.com/office/2006/metadata/properties"/>
+    <ds:schemaRef ds:uri="http://schemas.openxmlformats.org/package/2006/metadata/core-properties"/>
+    <ds:schemaRef ds:uri="00e69eb3-3615-458d-b6da-a54e8cea02e1"/>
+    <ds:schemaRef ds:uri="http://www.w3.org/XML/1998/namespace"/>
+    <ds:schemaRef ds:uri="http://purl.org/dc/dcmitype/"/>
+  </ds:schemaRefs>
+</ds:datastoreItem>
 </file>